--- a/Document/개발 환경.pptx
+++ b/Document/개발 환경.pptx
@@ -275,7 +275,7 @@
           <a:p>
             <a:fld id="{E55B7F31-AC15-4B4C-A468-025B377CF0E6}" type="datetimeFigureOut">
               <a:rPr lang="ko-KR" altLang="en-US" smtClean="0"/>
-              <a:t>2021-06-14</a:t>
+              <a:t>2022-03-19</a:t>
             </a:fld>
             <a:endParaRPr lang="ko-KR" altLang="en-US"/>
           </a:p>
@@ -443,7 +443,7 @@
           <a:p>
             <a:fld id="{E55B7F31-AC15-4B4C-A468-025B377CF0E6}" type="datetimeFigureOut">
               <a:rPr lang="ko-KR" altLang="en-US" smtClean="0"/>
-              <a:t>2021-06-14</a:t>
+              <a:t>2022-03-19</a:t>
             </a:fld>
             <a:endParaRPr lang="ko-KR" altLang="en-US"/>
           </a:p>
@@ -621,7 +621,7 @@
           <a:p>
             <a:fld id="{E55B7F31-AC15-4B4C-A468-025B377CF0E6}" type="datetimeFigureOut">
               <a:rPr lang="ko-KR" altLang="en-US" smtClean="0"/>
-              <a:t>2021-06-14</a:t>
+              <a:t>2022-03-19</a:t>
             </a:fld>
             <a:endParaRPr lang="ko-KR" altLang="en-US"/>
           </a:p>
@@ -789,7 +789,7 @@
           <a:p>
             <a:fld id="{E55B7F31-AC15-4B4C-A468-025B377CF0E6}" type="datetimeFigureOut">
               <a:rPr lang="ko-KR" altLang="en-US" smtClean="0"/>
-              <a:t>2021-06-14</a:t>
+              <a:t>2022-03-19</a:t>
             </a:fld>
             <a:endParaRPr lang="ko-KR" altLang="en-US"/>
           </a:p>
@@ -1034,7 +1034,7 @@
           <a:p>
             <a:fld id="{E55B7F31-AC15-4B4C-A468-025B377CF0E6}" type="datetimeFigureOut">
               <a:rPr lang="ko-KR" altLang="en-US" smtClean="0"/>
-              <a:t>2021-06-14</a:t>
+              <a:t>2022-03-19</a:t>
             </a:fld>
             <a:endParaRPr lang="ko-KR" altLang="en-US"/>
           </a:p>
@@ -1263,7 +1263,7 @@
           <a:p>
             <a:fld id="{E55B7F31-AC15-4B4C-A468-025B377CF0E6}" type="datetimeFigureOut">
               <a:rPr lang="ko-KR" altLang="en-US" smtClean="0"/>
-              <a:t>2021-06-14</a:t>
+              <a:t>2022-03-19</a:t>
             </a:fld>
             <a:endParaRPr lang="ko-KR" altLang="en-US"/>
           </a:p>
@@ -1627,7 +1627,7 @@
           <a:p>
             <a:fld id="{E55B7F31-AC15-4B4C-A468-025B377CF0E6}" type="datetimeFigureOut">
               <a:rPr lang="ko-KR" altLang="en-US" smtClean="0"/>
-              <a:t>2021-06-14</a:t>
+              <a:t>2022-03-19</a:t>
             </a:fld>
             <a:endParaRPr lang="ko-KR" altLang="en-US"/>
           </a:p>
@@ -1744,7 +1744,7 @@
           <a:p>
             <a:fld id="{E55B7F31-AC15-4B4C-A468-025B377CF0E6}" type="datetimeFigureOut">
               <a:rPr lang="ko-KR" altLang="en-US" smtClean="0"/>
-              <a:t>2021-06-14</a:t>
+              <a:t>2022-03-19</a:t>
             </a:fld>
             <a:endParaRPr lang="ko-KR" altLang="en-US"/>
           </a:p>
@@ -1839,7 +1839,7 @@
           <a:p>
             <a:fld id="{E55B7F31-AC15-4B4C-A468-025B377CF0E6}" type="datetimeFigureOut">
               <a:rPr lang="ko-KR" altLang="en-US" smtClean="0"/>
-              <a:t>2021-06-14</a:t>
+              <a:t>2022-03-19</a:t>
             </a:fld>
             <a:endParaRPr lang="ko-KR" altLang="en-US"/>
           </a:p>
@@ -2114,7 +2114,7 @@
           <a:p>
             <a:fld id="{E55B7F31-AC15-4B4C-A468-025B377CF0E6}" type="datetimeFigureOut">
               <a:rPr lang="ko-KR" altLang="en-US" smtClean="0"/>
-              <a:t>2021-06-14</a:t>
+              <a:t>2022-03-19</a:t>
             </a:fld>
             <a:endParaRPr lang="ko-KR" altLang="en-US"/>
           </a:p>
@@ -2366,7 +2366,7 @@
           <a:p>
             <a:fld id="{E55B7F31-AC15-4B4C-A468-025B377CF0E6}" type="datetimeFigureOut">
               <a:rPr lang="ko-KR" altLang="en-US" smtClean="0"/>
-              <a:t>2021-06-14</a:t>
+              <a:t>2022-03-19</a:t>
             </a:fld>
             <a:endParaRPr lang="ko-KR" altLang="en-US"/>
           </a:p>
@@ -2577,7 +2577,7 @@
           <a:p>
             <a:fld id="{E55B7F31-AC15-4B4C-A468-025B377CF0E6}" type="datetimeFigureOut">
               <a:rPr lang="ko-KR" altLang="en-US" smtClean="0"/>
-              <a:t>2021-06-14</a:t>
+              <a:t>2022-03-19</a:t>
             </a:fld>
             <a:endParaRPr lang="ko-KR" altLang="en-US"/>
           </a:p>
@@ -33698,7 +33698,7 @@
                 <a:latin typeface="CookieRun Bold" panose="020B0600000101010101" pitchFamily="50" charset="-127"/>
                 <a:ea typeface="CookieRun Bold" panose="020B0600000101010101" pitchFamily="50" charset="-127"/>
               </a:rPr>
-              <a:t>OS: Windows 10</a:t>
+              <a:t>OS: Windows 11</a:t>
             </a:r>
           </a:p>
           <a:p>
@@ -33710,8 +33710,19 @@
                 <a:latin typeface="CookieRun Bold" panose="020B0600000101010101" pitchFamily="50" charset="-127"/>
                 <a:ea typeface="CookieRun Bold" panose="020B0600000101010101" pitchFamily="50" charset="-127"/>
               </a:rPr>
-              <a:t>Compiler: Visual Studio 2019</a:t>
+              <a:t>Compiler: Visual </a:t>
             </a:r>
+            <a:r>
+              <a:rPr lang="en-US" altLang="ko-KR">
+                <a:latin typeface="CookieRun Bold" panose="020B0600000101010101" pitchFamily="50" charset="-127"/>
+                <a:ea typeface="CookieRun Bold" panose="020B0600000101010101" pitchFamily="50" charset="-127"/>
+              </a:rPr>
+              <a:t>Studio 2022</a:t>
+            </a:r>
+            <a:endParaRPr lang="en-US" altLang="ko-KR" dirty="0">
+              <a:latin typeface="CookieRun Bold" panose="020B0600000101010101" pitchFamily="50" charset="-127"/>
+              <a:ea typeface="CookieRun Bold" panose="020B0600000101010101" pitchFamily="50" charset="-127"/>
+            </a:endParaRPr>
           </a:p>
           <a:p>
             <a:pPr marL="342900" indent="-342900">
